--- a/プレゼンテーション.pptx
+++ b/プレゼンテーション.pptx
@@ -5,16 +5,17 @@
     <p:sldMasterId id="2147483660" r:id="rId1"/>
   </p:sldMasterIdLst>
   <p:notesMasterIdLst>
-    <p:notesMasterId r:id="rId9"/>
+    <p:notesMasterId r:id="rId10"/>
   </p:notesMasterIdLst>
   <p:sldIdLst>
     <p:sldId id="256" r:id="rId2"/>
     <p:sldId id="257" r:id="rId3"/>
     <p:sldId id="263" r:id="rId4"/>
-    <p:sldId id="258" r:id="rId5"/>
+    <p:sldId id="264" r:id="rId5"/>
     <p:sldId id="260" r:id="rId6"/>
     <p:sldId id="262" r:id="rId7"/>
     <p:sldId id="261" r:id="rId8"/>
+    <p:sldId id="258" r:id="rId9"/>
   </p:sldIdLst>
   <p:sldSz cx="12192000" cy="6858000"/>
   <p:notesSz cx="6858000" cy="9144000"/>
@@ -114,6 +115,26 @@
     </a:lvl9pPr>
   </p:defaultTextStyle>
   <p:extLst>
+    <p:ext uri="{521415D9-36F7-43E2-AB2F-B90AF26B5E84}">
+      <p14:sectionLst xmlns:p14="http://schemas.microsoft.com/office/powerpoint/2010/main">
+        <p14:section name="既定のセクション" id="{7A69D647-7D5A-254A-85D0-BB20F0FE1EF7}">
+          <p14:sldIdLst>
+            <p14:sldId id="256"/>
+            <p14:sldId id="257"/>
+            <p14:sldId id="263"/>
+            <p14:sldId id="264"/>
+            <p14:sldId id="260"/>
+            <p14:sldId id="262"/>
+            <p14:sldId id="261"/>
+          </p14:sldIdLst>
+        </p14:section>
+        <p14:section name="未使用" id="{C34E1ED5-41D4-1F47-AB82-FC61F4D59375}">
+          <p14:sldIdLst>
+            <p14:sldId id="258"/>
+          </p14:sldIdLst>
+        </p14:section>
+      </p14:sectionLst>
+    </p:ext>
     <p:ext uri="{EFAFB233-063F-42B5-8137-9DF3F51BA10A}">
       <p15:sldGuideLst xmlns:p15="http://schemas.microsoft.com/office/powerpoint/2012/main"/>
     </p:ext>
@@ -857,7 +878,7 @@
             </a:r>
             <a:r>
               <a:rPr kumimoji="1" lang="ja-JP" altLang="en-US"/>
-              <a:t>は音声入力を利用してダジャレを聞き，そのダジャレに対してリアクションを返してくれる人工知能です．音声入力を利用することで，実際にダジャレを聞いてもらっているような，楽しいユーザエクスペリエンスを実現しました．</a:t>
+              <a:t>は音声入力を利用してダジャレを聞き，ダジャレを判定した上でリアクションを返してくれる人工知能です．音声入力を利用することで，実際にダジャレを聞いてもらっているような，楽しいユーザエクスペリエンスを実現しました．</a:t>
             </a:r>
           </a:p>
         </p:txBody>
@@ -888,7 +909,7 @@
     </p:spTree>
     <p:extLst>
       <p:ext uri="{BB962C8B-B14F-4D97-AF65-F5344CB8AC3E}">
-        <p14:creationId xmlns:p14="http://schemas.microsoft.com/office/powerpoint/2010/main" val="3336955784"/>
+        <p14:creationId xmlns:p14="http://schemas.microsoft.com/office/powerpoint/2010/main" val="4103691820"/>
       </p:ext>
     </p:extLst>
   </p:cSld>
@@ -1087,6 +1108,97 @@
     <p:extLst>
       <p:ext uri="{BB962C8B-B14F-4D97-AF65-F5344CB8AC3E}">
         <p14:creationId xmlns:p14="http://schemas.microsoft.com/office/powerpoint/2010/main" val="3596401906"/>
+      </p:ext>
+    </p:extLst>
+  </p:cSld>
+  <p:clrMapOvr>
+    <a:masterClrMapping/>
+  </p:clrMapOvr>
+</p:notes>
+</file>
+
+<file path=ppt/notesSlides/notesSlide7.xml><?xml version="1.0" encoding="utf-8"?>
+<p:notes xmlns:a="http://schemas.openxmlformats.org/drawingml/2006/main" xmlns:r="http://schemas.openxmlformats.org/officeDocument/2006/relationships" xmlns:p="http://schemas.openxmlformats.org/presentationml/2006/main">
+  <p:cSld>
+    <p:spTree>
+      <p:nvGrpSpPr>
+        <p:cNvPr id="1" name=""/>
+        <p:cNvGrpSpPr/>
+        <p:nvPr/>
+      </p:nvGrpSpPr>
+      <p:grpSpPr>
+        <a:xfrm>
+          <a:off x="0" y="0"/>
+          <a:ext cx="0" cy="0"/>
+          <a:chOff x="0" y="0"/>
+          <a:chExt cx="0" cy="0"/>
+        </a:xfrm>
+      </p:grpSpPr>
+      <p:sp>
+        <p:nvSpPr>
+          <p:cNvPr id="2" name="スライド イメージ プレースホルダー 1"/>
+          <p:cNvSpPr>
+            <a:spLocks noGrp="1" noRot="1" noChangeAspect="1"/>
+          </p:cNvSpPr>
+          <p:nvPr>
+            <p:ph type="sldImg"/>
+          </p:nvPr>
+        </p:nvSpPr>
+        <p:spPr/>
+      </p:sp>
+      <p:sp>
+        <p:nvSpPr>
+          <p:cNvPr id="3" name="ノート プレースホルダー 2"/>
+          <p:cNvSpPr>
+            <a:spLocks noGrp="1"/>
+          </p:cNvSpPr>
+          <p:nvPr>
+            <p:ph type="body" idx="1"/>
+          </p:nvPr>
+        </p:nvSpPr>
+        <p:spPr/>
+        <p:txBody>
+          <a:bodyPr/>
+          <a:lstStyle/>
+          <a:p>
+            <a:r>
+              <a:rPr kumimoji="1" lang="en-US" altLang="ja-JP" dirty="0" err="1"/>
+              <a:t>Gyaha</a:t>
+            </a:r>
+            <a:r>
+              <a:rPr kumimoji="1" lang="ja-JP" altLang="en-US"/>
+              <a:t>は音声入力を利用してダジャレを聞き，そのダジャレに対してリアクションを返してくれる人工知能です．音声入力を利用することで，実際にダジャレを聞いてもらっているような，楽しいユーザエクスペリエンスを実現しました．</a:t>
+            </a:r>
+          </a:p>
+        </p:txBody>
+      </p:sp>
+      <p:sp>
+        <p:nvSpPr>
+          <p:cNvPr id="4" name="スライド番号プレースホルダー 3"/>
+          <p:cNvSpPr>
+            <a:spLocks noGrp="1"/>
+          </p:cNvSpPr>
+          <p:nvPr>
+            <p:ph type="sldNum" sz="quarter" idx="5"/>
+          </p:nvPr>
+        </p:nvSpPr>
+        <p:spPr/>
+        <p:txBody>
+          <a:bodyPr/>
+          <a:lstStyle/>
+          <a:p>
+            <a:fld id="{909FC8FD-2FEA-D243-913E-F782DA58161B}" type="slidenum">
+              <a:rPr kumimoji="1" lang="ja-JP" altLang="en-US" smtClean="0"/>
+              <a:t>8</a:t>
+            </a:fld>
+            <a:endParaRPr kumimoji="1" lang="ja-JP" altLang="en-US"/>
+          </a:p>
+        </p:txBody>
+      </p:sp>
+    </p:spTree>
+    <p:extLst>
+      <p:ext uri="{BB962C8B-B14F-4D97-AF65-F5344CB8AC3E}">
+        <p14:creationId xmlns:p14="http://schemas.microsoft.com/office/powerpoint/2010/main" val="3336955784"/>
       </p:ext>
     </p:extLst>
   </p:cSld>
@@ -3138,7 +3250,7 @@
         </p:nvSpPr>
         <p:spPr>
           <a:xfrm>
-            <a:off x="7289283" y="2519622"/>
+            <a:off x="7214286" y="2519622"/>
             <a:ext cx="3709260" cy="830997"/>
           </a:xfrm>
           <a:prstGeom prst="rect">
@@ -3223,37 +3335,32 @@
       </p:sp>
       <p:pic>
         <p:nvPicPr>
-          <p:cNvPr id="9" name="コンテンツ プレースホルダー 5" descr="脳">
-            <a:extLst>
-              <a:ext uri="{FF2B5EF4-FFF2-40B4-BE49-F238E27FC236}">
-                <a16:creationId xmlns:a16="http://schemas.microsoft.com/office/drawing/2014/main" id="{5196CBAA-4DBD-0D47-A63F-5D6E3147466E}"/>
+          <p:cNvPr id="10" name="図 9">
+            <a:extLst>
+              <a:ext uri="{FF2B5EF4-FFF2-40B4-BE49-F238E27FC236}">
+                <a16:creationId xmlns:a16="http://schemas.microsoft.com/office/drawing/2014/main" id="{87BDFB75-4A46-7546-A16A-D3FB34333409}"/>
               </a:ext>
             </a:extLst>
           </p:cNvPr>
           <p:cNvPicPr>
-            <a:picLocks noGrp="1" noChangeAspect="1"/>
+            <a:picLocks noChangeAspect="1"/>
           </p:cNvPicPr>
-          <p:nvPr>
-            <p:ph idx="1"/>
-          </p:nvPr>
+          <p:nvPr/>
         </p:nvPicPr>
         <p:blipFill>
-          <a:blip r:embed="rId4">
-            <a:extLst>
-              <a:ext uri="{96DAC541-7B7A-43D3-8B79-37D633B846F1}">
-                <asvg:svgBlip xmlns:asvg="http://schemas.microsoft.com/office/drawing/2016/SVG/main" r:embed="rId5"/>
-              </a:ext>
-            </a:extLst>
-          </a:blip>
+          <a:blip r:embed="rId4"/>
           <a:stretch>
             <a:fillRect/>
           </a:stretch>
         </p:blipFill>
         <p:spPr>
           <a:xfrm>
-            <a:off x="8000913" y="3649353"/>
-            <a:ext cx="2286000" cy="2286000"/>
-          </a:xfrm>
+            <a:off x="8101886" y="3558994"/>
+            <a:ext cx="1831837" cy="2442449"/>
+          </a:xfrm>
+          <a:prstGeom prst="rect">
+            <a:avLst/>
+          </a:prstGeom>
         </p:spPr>
       </p:pic>
     </p:spTree>
@@ -3300,6 +3407,217 @@
       </p:grpSpPr>
       <p:sp>
         <p:nvSpPr>
+          <p:cNvPr id="26" name="右矢印 25">
+            <a:extLst>
+              <a:ext uri="{FF2B5EF4-FFF2-40B4-BE49-F238E27FC236}">
+                <a16:creationId xmlns:a16="http://schemas.microsoft.com/office/drawing/2014/main" id="{676A0966-4504-B648-BEBA-63EAD98DE4E4}"/>
+              </a:ext>
+            </a:extLst>
+          </p:cNvPr>
+          <p:cNvSpPr/>
+          <p:nvPr/>
+        </p:nvSpPr>
+        <p:spPr>
+          <a:xfrm>
+            <a:off x="1023531" y="2575698"/>
+            <a:ext cx="10144934" cy="3064476"/>
+          </a:xfrm>
+          <a:prstGeom prst="rightArrow">
+            <a:avLst/>
+          </a:prstGeom>
+          <a:solidFill>
+            <a:schemeClr val="accent5">
+              <a:lumMod val="20000"/>
+              <a:lumOff val="80000"/>
+            </a:schemeClr>
+          </a:solidFill>
+          <a:ln>
+            <a:noFill/>
+          </a:ln>
+        </p:spPr>
+        <p:style>
+          <a:lnRef idx="2">
+            <a:schemeClr val="accent1">
+              <a:shade val="50000"/>
+            </a:schemeClr>
+          </a:lnRef>
+          <a:fillRef idx="1">
+            <a:schemeClr val="accent1"/>
+          </a:fillRef>
+          <a:effectRef idx="0">
+            <a:schemeClr val="accent1"/>
+          </a:effectRef>
+          <a:fontRef idx="minor">
+            <a:schemeClr val="lt1"/>
+          </a:fontRef>
+        </p:style>
+        <p:txBody>
+          <a:bodyPr rtlCol="0" anchor="ctr"/>
+          <a:lstStyle/>
+          <a:p>
+            <a:pPr algn="ctr"/>
+            <a:endParaRPr kumimoji="1" lang="ja-JP" altLang="en-US"/>
+          </a:p>
+        </p:txBody>
+      </p:sp>
+      <p:sp>
+        <p:nvSpPr>
+          <p:cNvPr id="21" name="円/楕円 20">
+            <a:extLst>
+              <a:ext uri="{FF2B5EF4-FFF2-40B4-BE49-F238E27FC236}">
+                <a16:creationId xmlns:a16="http://schemas.microsoft.com/office/drawing/2014/main" id="{D50B1758-CE4D-3541-AEAF-47E35698AD8F}"/>
+              </a:ext>
+            </a:extLst>
+          </p:cNvPr>
+          <p:cNvSpPr/>
+          <p:nvPr/>
+        </p:nvSpPr>
+        <p:spPr>
+          <a:xfrm>
+            <a:off x="5520964" y="1645772"/>
+            <a:ext cx="1150071" cy="1126425"/>
+          </a:xfrm>
+          <a:prstGeom prst="ellipse">
+            <a:avLst/>
+          </a:prstGeom>
+          <a:solidFill>
+            <a:schemeClr val="accent5"/>
+          </a:solidFill>
+          <a:ln>
+            <a:noFill/>
+          </a:ln>
+        </p:spPr>
+        <p:style>
+          <a:lnRef idx="2">
+            <a:schemeClr val="accent1">
+              <a:shade val="50000"/>
+            </a:schemeClr>
+          </a:lnRef>
+          <a:fillRef idx="1">
+            <a:schemeClr val="accent1"/>
+          </a:fillRef>
+          <a:effectRef idx="0">
+            <a:schemeClr val="accent1"/>
+          </a:effectRef>
+          <a:fontRef idx="minor">
+            <a:schemeClr val="lt1"/>
+          </a:fontRef>
+        </p:style>
+        <p:txBody>
+          <a:bodyPr rtlCol="0" anchor="ctr"/>
+          <a:lstStyle/>
+          <a:p>
+            <a:pPr algn="ctr"/>
+            <a:endParaRPr kumimoji="1" lang="ja-JP" altLang="en-US"/>
+          </a:p>
+        </p:txBody>
+      </p:sp>
+      <p:sp>
+        <p:nvSpPr>
+          <p:cNvPr id="22" name="円/楕円 21">
+            <a:extLst>
+              <a:ext uri="{FF2B5EF4-FFF2-40B4-BE49-F238E27FC236}">
+                <a16:creationId xmlns:a16="http://schemas.microsoft.com/office/drawing/2014/main" id="{D87A4739-680E-B74E-9732-68AC4089E877}"/>
+              </a:ext>
+            </a:extLst>
+          </p:cNvPr>
+          <p:cNvSpPr/>
+          <p:nvPr/>
+        </p:nvSpPr>
+        <p:spPr>
+          <a:xfrm>
+            <a:off x="8966387" y="1645772"/>
+            <a:ext cx="1150071" cy="1126425"/>
+          </a:xfrm>
+          <a:prstGeom prst="ellipse">
+            <a:avLst/>
+          </a:prstGeom>
+          <a:solidFill>
+            <a:schemeClr val="accent5"/>
+          </a:solidFill>
+          <a:ln>
+            <a:noFill/>
+          </a:ln>
+        </p:spPr>
+        <p:style>
+          <a:lnRef idx="2">
+            <a:schemeClr val="accent1">
+              <a:shade val="50000"/>
+            </a:schemeClr>
+          </a:lnRef>
+          <a:fillRef idx="1">
+            <a:schemeClr val="accent1"/>
+          </a:fillRef>
+          <a:effectRef idx="0">
+            <a:schemeClr val="accent1"/>
+          </a:effectRef>
+          <a:fontRef idx="minor">
+            <a:schemeClr val="lt1"/>
+          </a:fontRef>
+        </p:style>
+        <p:txBody>
+          <a:bodyPr rtlCol="0" anchor="ctr"/>
+          <a:lstStyle/>
+          <a:p>
+            <a:pPr algn="ctr"/>
+            <a:endParaRPr kumimoji="1" lang="ja-JP" altLang="en-US"/>
+          </a:p>
+        </p:txBody>
+      </p:sp>
+      <p:sp>
+        <p:nvSpPr>
+          <p:cNvPr id="20" name="円/楕円 19">
+            <a:extLst>
+              <a:ext uri="{FF2B5EF4-FFF2-40B4-BE49-F238E27FC236}">
+                <a16:creationId xmlns:a16="http://schemas.microsoft.com/office/drawing/2014/main" id="{D36EB2F8-19F6-4B43-A72B-1119004C61F2}"/>
+              </a:ext>
+            </a:extLst>
+          </p:cNvPr>
+          <p:cNvSpPr/>
+          <p:nvPr/>
+        </p:nvSpPr>
+        <p:spPr>
+          <a:xfrm>
+            <a:off x="2075542" y="1645772"/>
+            <a:ext cx="1150071" cy="1126425"/>
+          </a:xfrm>
+          <a:prstGeom prst="ellipse">
+            <a:avLst/>
+          </a:prstGeom>
+          <a:solidFill>
+            <a:schemeClr val="accent5"/>
+          </a:solidFill>
+          <a:ln>
+            <a:noFill/>
+          </a:ln>
+        </p:spPr>
+        <p:style>
+          <a:lnRef idx="2">
+            <a:schemeClr val="accent1">
+              <a:shade val="50000"/>
+            </a:schemeClr>
+          </a:lnRef>
+          <a:fillRef idx="1">
+            <a:schemeClr val="accent1"/>
+          </a:fillRef>
+          <a:effectRef idx="0">
+            <a:schemeClr val="accent1"/>
+          </a:effectRef>
+          <a:fontRef idx="minor">
+            <a:schemeClr val="lt1"/>
+          </a:fontRef>
+        </p:style>
+        <p:txBody>
+          <a:bodyPr rtlCol="0" anchor="ctr"/>
+          <a:lstStyle/>
+          <a:p>
+            <a:pPr algn="ctr"/>
+            <a:endParaRPr kumimoji="1" lang="ja-JP" altLang="en-US"/>
+          </a:p>
+        </p:txBody>
+      </p:sp>
+      <p:sp>
+        <p:nvSpPr>
           <p:cNvPr id="2" name="タイトル 1">
             <a:extLst>
               <a:ext uri="{FF2B5EF4-FFF2-40B4-BE49-F238E27FC236}">
@@ -3339,96 +3657,6 @@
               <a:t>」って何？</a:t>
             </a:r>
             <a:endParaRPr kumimoji="1" lang="ja-JP" altLang="en-US" sz="4000"/>
-          </a:p>
-        </p:txBody>
-      </p:sp>
-      <p:sp>
-        <p:nvSpPr>
-          <p:cNvPr id="3" name="コンテンツ プレースホルダー 2">
-            <a:extLst>
-              <a:ext uri="{FF2B5EF4-FFF2-40B4-BE49-F238E27FC236}">
-                <a16:creationId xmlns:a16="http://schemas.microsoft.com/office/drawing/2014/main" id="{1A6FDD16-4AC9-6240-82C3-361F8C0E88B6}"/>
-              </a:ext>
-            </a:extLst>
-          </p:cNvPr>
-          <p:cNvSpPr>
-            <a:spLocks noGrp="1"/>
-          </p:cNvSpPr>
-          <p:nvPr>
-            <p:ph idx="1"/>
-          </p:nvPr>
-        </p:nvSpPr>
-        <p:spPr>
-          <a:xfrm>
-            <a:off x="906796" y="2016838"/>
-            <a:ext cx="4938784" cy="3820764"/>
-          </a:xfrm>
-        </p:spPr>
-        <p:txBody>
-          <a:bodyPr>
-            <a:normAutofit/>
-          </a:bodyPr>
-          <a:lstStyle/>
-          <a:p>
-            <a:pPr marL="0" indent="0" algn="ctr">
-              <a:buNone/>
-            </a:pPr>
-            <a:r>
-              <a:rPr kumimoji="1" lang="ja-JP" altLang="en-US" sz="3600"/>
-              <a:t>ダジャレを</a:t>
-            </a:r>
-            <a:r>
-              <a:rPr kumimoji="1" lang="ja-JP" altLang="en-US" sz="3600" b="1"/>
-              <a:t>聞く</a:t>
-            </a:r>
-            <a:endParaRPr kumimoji="1" lang="en-US" altLang="ja-JP" sz="3600" b="1" dirty="0"/>
-          </a:p>
-          <a:p>
-            <a:pPr marL="0" indent="0" algn="ctr">
-              <a:buNone/>
-            </a:pPr>
-            <a:r>
-              <a:rPr lang="ja-JP" altLang="en-US" sz="3600"/>
-              <a:t>↓</a:t>
-            </a:r>
-            <a:endParaRPr lang="en-US" altLang="ja-JP" sz="3600" dirty="0"/>
-          </a:p>
-          <a:p>
-            <a:pPr marL="0" indent="0" algn="ctr">
-              <a:buNone/>
-            </a:pPr>
-            <a:r>
-              <a:rPr kumimoji="1" lang="ja-JP" altLang="en-US" sz="3600"/>
-              <a:t>ダジャレを</a:t>
-            </a:r>
-            <a:r>
-              <a:rPr kumimoji="1" lang="ja-JP" altLang="en-US" sz="3600" b="1"/>
-              <a:t>判定</a:t>
-            </a:r>
-            <a:endParaRPr kumimoji="1" lang="en-US" altLang="ja-JP" sz="3600" b="1" dirty="0"/>
-          </a:p>
-          <a:p>
-            <a:pPr marL="0" indent="0" algn="ctr">
-              <a:buNone/>
-            </a:pPr>
-            <a:r>
-              <a:rPr lang="ja-JP" altLang="en-US" sz="3600"/>
-              <a:t>↓</a:t>
-            </a:r>
-            <a:endParaRPr lang="en-US" altLang="ja-JP" sz="3600" dirty="0"/>
-          </a:p>
-          <a:p>
-            <a:pPr marL="0" indent="0" algn="ctr">
-              <a:buNone/>
-            </a:pPr>
-            <a:r>
-              <a:rPr kumimoji="1" lang="ja-JP" altLang="en-US" sz="3600" b="1">
-                <a:solidFill>
-                  <a:schemeClr val="accent2"/>
-                </a:solidFill>
-              </a:rPr>
-              <a:t>笑う！</a:t>
-            </a:r>
           </a:p>
         </p:txBody>
       </p:sp>
@@ -3483,7 +3711,7 @@
         </p:blipFill>
         <p:spPr>
           <a:xfrm flipH="1">
-            <a:off x="6096000" y="2016838"/>
+            <a:off x="1843818" y="3188577"/>
             <a:ext cx="1838337" cy="1838719"/>
           </a:xfrm>
           <a:prstGeom prst="rect">
@@ -3493,10 +3721,10 @@
       </p:pic>
       <p:sp>
         <p:nvSpPr>
-          <p:cNvPr id="9" name="テキスト ボックス 8">
-            <a:extLst>
-              <a:ext uri="{FF2B5EF4-FFF2-40B4-BE49-F238E27FC236}">
-                <a16:creationId xmlns:a16="http://schemas.microsoft.com/office/drawing/2014/main" id="{1B553D71-4D75-FF44-B7F1-D05CE0F11F06}"/>
+          <p:cNvPr id="12" name="テキスト ボックス 11">
+            <a:extLst>
+              <a:ext uri="{FF2B5EF4-FFF2-40B4-BE49-F238E27FC236}">
+                <a16:creationId xmlns:a16="http://schemas.microsoft.com/office/drawing/2014/main" id="{5EDB7E3B-F0B1-5840-BA85-2983CAF98282}"/>
               </a:ext>
             </a:extLst>
           </p:cNvPr>
@@ -3505,8 +3733,8 @@
         </p:nvSpPr>
         <p:spPr>
           <a:xfrm>
-            <a:off x="6513556" y="4544083"/>
-            <a:ext cx="4083657" cy="923330"/>
+            <a:off x="1023533" y="5196617"/>
+            <a:ext cx="3707514" cy="461665"/>
           </a:xfrm>
           <a:prstGeom prst="rect">
             <a:avLst/>
@@ -3520,39 +3748,116 @@
           <a:lstStyle/>
           <a:p>
             <a:r>
-              <a:rPr lang="ja-JP" altLang="en-US"/>
-              <a:t>ﾃﾞｩﾋﾋﾌﾞﾋｲﾋﾁﾞｨﾋﾋｵﾎﾎﾎﾋ</a:t>
-            </a:r>
-            <a:r>
-              <a:rPr lang="en" altLang="ja-JP" dirty="0"/>
-              <a:t>t</a:t>
-            </a:r>
-            <a:r>
-              <a:rPr lang="ja-JP" altLang="en-US"/>
-              <a:t>ｯﾋﾋｮｴ</a:t>
-            </a:r>
-            <a:r>
-              <a:rPr lang="en" altLang="ja-JP" dirty="0" err="1"/>
-              <a:t>wwwwwwwwwww</a:t>
-            </a:r>
-            <a:r>
-              <a:rPr lang="ja-JP" altLang="en-US"/>
-              <a:t>ﾎｯﾎﾋｰｰｰｰｰｰｰ</a:t>
-            </a:r>
-            <a:r>
-              <a:rPr lang="en" altLang="ja-JP" dirty="0" err="1"/>
-              <a:t>wwwwwwwwwwwwwwwwww</a:t>
-            </a:r>
-            <a:endParaRPr lang="en" altLang="ja-JP" dirty="0"/>
-          </a:p>
-        </p:txBody>
-      </p:sp>
-      <p:sp>
-        <p:nvSpPr>
-          <p:cNvPr id="12" name="テキスト ボックス 11">
-            <a:extLst>
-              <a:ext uri="{FF2B5EF4-FFF2-40B4-BE49-F238E27FC236}">
-                <a16:creationId xmlns:a16="http://schemas.microsoft.com/office/drawing/2014/main" id="{5EDB7E3B-F0B1-5840-BA85-2983CAF98282}"/>
+              <a:rPr kumimoji="1" lang="ja-JP" altLang="en-US" sz="2400"/>
+              <a:t>布団が、吹っ飛んだ！</a:t>
+            </a:r>
+            <a:r>
+              <a:rPr kumimoji="1" lang="en-US" altLang="ja-JP" sz="2400" dirty="0"/>
+              <a:t>w</a:t>
+            </a:r>
+            <a:endParaRPr kumimoji="1" lang="ja-JP" altLang="en-US" sz="2400"/>
+          </a:p>
+        </p:txBody>
+      </p:sp>
+      <p:grpSp>
+        <p:nvGrpSpPr>
+          <p:cNvPr id="15" name="グループ化 14">
+            <a:extLst>
+              <a:ext uri="{FF2B5EF4-FFF2-40B4-BE49-F238E27FC236}">
+                <a16:creationId xmlns:a16="http://schemas.microsoft.com/office/drawing/2014/main" id="{B879491B-6312-4B48-8212-202F8EE0D54C}"/>
+              </a:ext>
+            </a:extLst>
+          </p:cNvPr>
+          <p:cNvGrpSpPr/>
+          <p:nvPr/>
+        </p:nvGrpSpPr>
+        <p:grpSpPr>
+          <a:xfrm>
+            <a:off x="5244174" y="3188577"/>
+            <a:ext cx="1703650" cy="1838244"/>
+            <a:chOff x="5244175" y="2577175"/>
+            <a:chExt cx="1703650" cy="1838244"/>
+          </a:xfrm>
+        </p:grpSpPr>
+        <p:pic>
+          <p:nvPicPr>
+            <p:cNvPr id="10" name="コンテンツ プレースホルダー 5" descr="脳">
+              <a:extLst>
+                <a:ext uri="{FF2B5EF4-FFF2-40B4-BE49-F238E27FC236}">
+                  <a16:creationId xmlns:a16="http://schemas.microsoft.com/office/drawing/2014/main" id="{DAF03262-94F3-AA4A-A650-3F43DFFA0211}"/>
+                </a:ext>
+              </a:extLst>
+            </p:cNvPr>
+            <p:cNvPicPr>
+              <a:picLocks noChangeAspect="1"/>
+            </p:cNvPicPr>
+            <p:nvPr/>
+          </p:nvPicPr>
+          <p:blipFill>
+            <a:blip r:embed="rId4">
+              <a:extLst>
+                <a:ext uri="{96DAC541-7B7A-43D3-8B79-37D633B846F1}">
+                  <asvg:svgBlip xmlns:asvg="http://schemas.microsoft.com/office/drawing/2016/SVG/main" r:embed="rId5"/>
+                </a:ext>
+              </a:extLst>
+            </a:blip>
+            <a:stretch>
+              <a:fillRect/>
+            </a:stretch>
+          </p:blipFill>
+          <p:spPr>
+            <a:xfrm>
+              <a:off x="5244175" y="2577175"/>
+              <a:ext cx="1703650" cy="1703650"/>
+            </a:xfrm>
+            <a:prstGeom prst="rect">
+              <a:avLst/>
+            </a:prstGeom>
+          </p:spPr>
+        </p:pic>
+        <p:pic>
+          <p:nvPicPr>
+            <p:cNvPr id="11" name="グラフィックス 10" descr="環状の矢印">
+              <a:extLst>
+                <a:ext uri="{FF2B5EF4-FFF2-40B4-BE49-F238E27FC236}">
+                  <a16:creationId xmlns:a16="http://schemas.microsoft.com/office/drawing/2014/main" id="{4B325B48-A4FA-F34B-A378-0BBD807CDD30}"/>
+                </a:ext>
+              </a:extLst>
+            </p:cNvPr>
+            <p:cNvPicPr>
+              <a:picLocks noChangeAspect="1"/>
+            </p:cNvPicPr>
+            <p:nvPr/>
+          </p:nvPicPr>
+          <p:blipFill>
+            <a:blip r:embed="rId6">
+              <a:extLst>
+                <a:ext uri="{96DAC541-7B7A-43D3-8B79-37D633B846F1}">
+                  <asvg:svgBlip xmlns:asvg="http://schemas.microsoft.com/office/drawing/2016/SVG/main" r:embed="rId7"/>
+                </a:ext>
+              </a:extLst>
+            </a:blip>
+            <a:stretch>
+              <a:fillRect/>
+            </a:stretch>
+          </p:blipFill>
+          <p:spPr>
+            <a:xfrm>
+              <a:off x="5441487" y="3106394"/>
+              <a:ext cx="1309025" cy="1309025"/>
+            </a:xfrm>
+            <a:prstGeom prst="rect">
+              <a:avLst/>
+            </a:prstGeom>
+          </p:spPr>
+        </p:pic>
+      </p:grpSp>
+      <p:sp>
+        <p:nvSpPr>
+          <p:cNvPr id="17" name="テキスト ボックス 16">
+            <a:extLst>
+              <a:ext uri="{FF2B5EF4-FFF2-40B4-BE49-F238E27FC236}">
+                <a16:creationId xmlns:a16="http://schemas.microsoft.com/office/drawing/2014/main" id="{1CDBAB28-FA40-9648-BF63-7C769EFF3549}"/>
               </a:ext>
             </a:extLst>
           </p:cNvPr>
@@ -3561,8 +3866,8 @@
         </p:nvSpPr>
         <p:spPr>
           <a:xfrm>
-            <a:off x="7934337" y="2705364"/>
-            <a:ext cx="3707514" cy="461665"/>
+            <a:off x="5600841" y="1912013"/>
+            <a:ext cx="1047468" cy="584775"/>
           </a:xfrm>
           <a:prstGeom prst="rect">
             <a:avLst/>
@@ -3576,12 +3881,155 @@
           <a:lstStyle/>
           <a:p>
             <a:r>
+              <a:rPr lang="ja-JP" altLang="en-US" sz="3200">
+                <a:solidFill>
+                  <a:schemeClr val="bg1"/>
+                </a:solidFill>
+              </a:rPr>
+              <a:t>判定</a:t>
+            </a:r>
+            <a:endParaRPr kumimoji="1" lang="ja-JP" altLang="en-US" sz="3200">
+              <a:solidFill>
+                <a:schemeClr val="bg1"/>
+              </a:solidFill>
+            </a:endParaRPr>
+          </a:p>
+        </p:txBody>
+      </p:sp>
+      <p:sp>
+        <p:nvSpPr>
+          <p:cNvPr id="18" name="テキスト ボックス 17">
+            <a:extLst>
+              <a:ext uri="{FF2B5EF4-FFF2-40B4-BE49-F238E27FC236}">
+                <a16:creationId xmlns:a16="http://schemas.microsoft.com/office/drawing/2014/main" id="{C4F5AFB2-5731-794F-A1DB-53656BC49891}"/>
+              </a:ext>
+            </a:extLst>
+          </p:cNvPr>
+          <p:cNvSpPr txBox="1"/>
+          <p:nvPr/>
+        </p:nvSpPr>
+        <p:spPr>
+          <a:xfrm>
+            <a:off x="2187952" y="1916598"/>
+            <a:ext cx="1150071" cy="584775"/>
+          </a:xfrm>
+          <a:prstGeom prst="rect">
+            <a:avLst/>
+          </a:prstGeom>
+          <a:noFill/>
+        </p:spPr>
+        <p:txBody>
+          <a:bodyPr wrap="square" rtlCol="0">
+            <a:spAutoFit/>
+          </a:bodyPr>
+          <a:lstStyle/>
+          <a:p>
+            <a:r>
+              <a:rPr lang="ja-JP" altLang="en-US" sz="3200">
+                <a:solidFill>
+                  <a:schemeClr val="bg1"/>
+                </a:solidFill>
+              </a:rPr>
+              <a:t>聞く</a:t>
+            </a:r>
+            <a:endParaRPr kumimoji="1" lang="ja-JP" altLang="en-US" sz="3200">
+              <a:solidFill>
+                <a:schemeClr val="bg1"/>
+              </a:solidFill>
+            </a:endParaRPr>
+          </a:p>
+        </p:txBody>
+      </p:sp>
+      <p:sp>
+        <p:nvSpPr>
+          <p:cNvPr id="19" name="テキスト ボックス 18">
+            <a:extLst>
+              <a:ext uri="{FF2B5EF4-FFF2-40B4-BE49-F238E27FC236}">
+                <a16:creationId xmlns:a16="http://schemas.microsoft.com/office/drawing/2014/main" id="{4351B511-2759-EA46-BE97-BCA58E655D8A}"/>
+              </a:ext>
+            </a:extLst>
+          </p:cNvPr>
+          <p:cNvSpPr txBox="1"/>
+          <p:nvPr/>
+        </p:nvSpPr>
+        <p:spPr>
+          <a:xfrm>
+            <a:off x="9073399" y="1916598"/>
+            <a:ext cx="1085923" cy="584775"/>
+          </a:xfrm>
+          <a:prstGeom prst="rect">
+            <a:avLst/>
+          </a:prstGeom>
+          <a:noFill/>
+        </p:spPr>
+        <p:txBody>
+          <a:bodyPr wrap="square" rtlCol="0">
+            <a:spAutoFit/>
+          </a:bodyPr>
+          <a:lstStyle/>
+          <a:p>
+            <a:r>
+              <a:rPr lang="ja-JP" altLang="en-US" sz="3200">
+                <a:solidFill>
+                  <a:schemeClr val="bg1"/>
+                </a:solidFill>
+              </a:rPr>
+              <a:t>笑う</a:t>
+            </a:r>
+            <a:endParaRPr kumimoji="1" lang="ja-JP" altLang="en-US" sz="3200">
+              <a:solidFill>
+                <a:schemeClr val="bg1"/>
+              </a:solidFill>
+            </a:endParaRPr>
+          </a:p>
+        </p:txBody>
+      </p:sp>
+      <p:sp>
+        <p:nvSpPr>
+          <p:cNvPr id="23" name="テキスト ボックス 22">
+            <a:extLst>
+              <a:ext uri="{FF2B5EF4-FFF2-40B4-BE49-F238E27FC236}">
+                <a16:creationId xmlns:a16="http://schemas.microsoft.com/office/drawing/2014/main" id="{DA15A8F3-5FC4-AE4E-8F1A-B970EB7A9FD6}"/>
+              </a:ext>
+            </a:extLst>
+          </p:cNvPr>
+          <p:cNvSpPr txBox="1"/>
+          <p:nvPr/>
+        </p:nvSpPr>
+        <p:spPr>
+          <a:xfrm>
+            <a:off x="7629143" y="5011952"/>
+            <a:ext cx="3709260" cy="830997"/>
+          </a:xfrm>
+          <a:prstGeom prst="rect">
+            <a:avLst/>
+          </a:prstGeom>
+          <a:noFill/>
+        </p:spPr>
+        <p:txBody>
+          <a:bodyPr wrap="square" rtlCol="0">
+            <a:spAutoFit/>
+          </a:bodyPr>
+          <a:lstStyle/>
+          <a:p>
+            <a:r>
               <a:rPr kumimoji="1" lang="ja-JP" altLang="en-US" sz="2400"/>
-              <a:t>布団が、吹っ飛んだ！</a:t>
-            </a:r>
-            <a:r>
+              <a:t>ギャハハハハハハハハハ</a:t>
+            </a:r>
+            <a:br>
               <a:rPr kumimoji="1" lang="en-US" altLang="ja-JP" sz="2400" dirty="0"/>
-              <a:t>w</a:t>
+            </a:br>
+            <a:r>
+              <a:rPr kumimoji="1" lang="ja-JP" altLang="en-US" sz="2400"/>
+              <a:t>！！！！！</a:t>
+            </a:r>
+            <a:r>
+              <a:rPr lang="ja-JP" altLang="en-US" sz="2400"/>
+              <a:t>！</a:t>
+            </a:r>
+            <a:r>
+              <a:rPr kumimoji="1" lang="en-US" altLang="ja-JP" sz="2400" dirty="0" err="1"/>
+              <a:t>wwwwwww</a:t>
             </a:r>
             <a:endParaRPr kumimoji="1" lang="ja-JP" altLang="en-US" sz="2400"/>
           </a:p>
@@ -3589,10 +4037,10 @@
       </p:sp>
       <p:pic>
         <p:nvPicPr>
-          <p:cNvPr id="10" name="コンテンツ プレースホルダー 5" descr="脳">
-            <a:extLst>
-              <a:ext uri="{FF2B5EF4-FFF2-40B4-BE49-F238E27FC236}">
-                <a16:creationId xmlns:a16="http://schemas.microsoft.com/office/drawing/2014/main" id="{DAF03262-94F3-AA4A-A650-3F43DFFA0211}"/>
+          <p:cNvPr id="27" name="図 26">
+            <a:extLst>
+              <a:ext uri="{FF2B5EF4-FFF2-40B4-BE49-F238E27FC236}">
+                <a16:creationId xmlns:a16="http://schemas.microsoft.com/office/drawing/2014/main" id="{F68B546E-E8AE-2A4B-B67F-13B297964F45}"/>
               </a:ext>
             </a:extLst>
           </p:cNvPr>
@@ -3602,10 +4050,40 @@
           <p:nvPr/>
         </p:nvPicPr>
         <p:blipFill>
-          <a:blip r:embed="rId4">
+          <a:blip r:embed="rId8"/>
+          <a:stretch>
+            <a:fillRect/>
+          </a:stretch>
+        </p:blipFill>
+        <p:spPr>
+          <a:xfrm>
+            <a:off x="9198112" y="3404200"/>
+            <a:ext cx="1150070" cy="1533427"/>
+          </a:xfrm>
+          <a:prstGeom prst="rect">
+            <a:avLst/>
+          </a:prstGeom>
+        </p:spPr>
+      </p:pic>
+      <p:pic>
+        <p:nvPicPr>
+          <p:cNvPr id="29" name="グラフィックス 28" descr="音声">
+            <a:extLst>
+              <a:ext uri="{FF2B5EF4-FFF2-40B4-BE49-F238E27FC236}">
+                <a16:creationId xmlns:a16="http://schemas.microsoft.com/office/drawing/2014/main" id="{9D153006-6A75-0343-8B24-6C9DD5BCA780}"/>
+              </a:ext>
+            </a:extLst>
+          </p:cNvPr>
+          <p:cNvPicPr>
+            <a:picLocks noChangeAspect="1"/>
+          </p:cNvPicPr>
+          <p:nvPr/>
+        </p:nvPicPr>
+        <p:blipFill>
+          <a:blip r:embed="rId9">
             <a:extLst>
               <a:ext uri="{96DAC541-7B7A-43D3-8B79-37D633B846F1}">
-                <asvg:svgBlip xmlns:asvg="http://schemas.microsoft.com/office/drawing/2016/SVG/main" r:embed="rId5"/>
+                <asvg:svgBlip xmlns:asvg="http://schemas.microsoft.com/office/drawing/2016/SVG/main" r:embed="rId10"/>
               </a:ext>
             </a:extLst>
           </a:blip>
@@ -3615,8 +4093,8 @@
         </p:blipFill>
         <p:spPr>
           <a:xfrm>
-            <a:off x="9840350" y="4191142"/>
-            <a:ext cx="1703650" cy="1703650"/>
+            <a:off x="8632827" y="2841077"/>
+            <a:ext cx="1672491" cy="1672491"/>
           </a:xfrm>
           <a:prstGeom prst="rect">
             <a:avLst/>
@@ -3626,7 +4104,7 @@
     </p:spTree>
     <p:extLst>
       <p:ext uri="{BB962C8B-B14F-4D97-AF65-F5344CB8AC3E}">
-        <p14:creationId xmlns:p14="http://schemas.microsoft.com/office/powerpoint/2010/main" val="1004628084"/>
+        <p14:creationId xmlns:p14="http://schemas.microsoft.com/office/powerpoint/2010/main" val="4235714097"/>
       </p:ext>
     </p:extLst>
   </p:cSld>
@@ -4084,6 +4562,361 @@
     <p:extLst>
       <p:ext uri="{BB962C8B-B14F-4D97-AF65-F5344CB8AC3E}">
         <p14:creationId xmlns:p14="http://schemas.microsoft.com/office/powerpoint/2010/main" val="1487034396"/>
+      </p:ext>
+    </p:extLst>
+  </p:cSld>
+  <p:clrMapOvr>
+    <a:masterClrMapping/>
+  </p:clrMapOvr>
+</p:sld>
+</file>
+
+<file path=ppt/slides/slide8.xml><?xml version="1.0" encoding="utf-8"?>
+<p:sld xmlns:a="http://schemas.openxmlformats.org/drawingml/2006/main" xmlns:r="http://schemas.openxmlformats.org/officeDocument/2006/relationships" xmlns:p="http://schemas.openxmlformats.org/presentationml/2006/main">
+  <p:cSld>
+    <p:spTree>
+      <p:nvGrpSpPr>
+        <p:cNvPr id="1" name=""/>
+        <p:cNvGrpSpPr/>
+        <p:nvPr/>
+      </p:nvGrpSpPr>
+      <p:grpSpPr>
+        <a:xfrm>
+          <a:off x="0" y="0"/>
+          <a:ext cx="0" cy="0"/>
+          <a:chOff x="0" y="0"/>
+          <a:chExt cx="0" cy="0"/>
+        </a:xfrm>
+      </p:grpSpPr>
+      <p:sp>
+        <p:nvSpPr>
+          <p:cNvPr id="2" name="タイトル 1">
+            <a:extLst>
+              <a:ext uri="{FF2B5EF4-FFF2-40B4-BE49-F238E27FC236}">
+                <a16:creationId xmlns:a16="http://schemas.microsoft.com/office/drawing/2014/main" id="{99F2C6E4-2ECB-DA43-AFD9-E5B32635B88F}"/>
+              </a:ext>
+            </a:extLst>
+          </p:cNvPr>
+          <p:cNvSpPr>
+            <a:spLocks noGrp="1"/>
+          </p:cNvSpPr>
+          <p:nvPr>
+            <p:ph type="title"/>
+          </p:nvPr>
+        </p:nvSpPr>
+        <p:spPr>
+          <a:xfrm>
+            <a:off x="1483112" y="365126"/>
+            <a:ext cx="10060888" cy="608422"/>
+          </a:xfrm>
+        </p:spPr>
+        <p:txBody>
+          <a:bodyPr>
+            <a:noAutofit/>
+          </a:bodyPr>
+          <a:lstStyle/>
+          <a:p>
+            <a:r>
+              <a:rPr kumimoji="1" lang="ja-JP" altLang="en-US" sz="4000"/>
+              <a:t>「</a:t>
+            </a:r>
+            <a:r>
+              <a:rPr lang="en-US" altLang="ja-JP" sz="4000" dirty="0" err="1"/>
+              <a:t>Gyaha</a:t>
+            </a:r>
+            <a:r>
+              <a:rPr lang="ja-JP" altLang="en-US" sz="4000"/>
+              <a:t>」って何？</a:t>
+            </a:r>
+            <a:endParaRPr kumimoji="1" lang="ja-JP" altLang="en-US" sz="4000"/>
+          </a:p>
+        </p:txBody>
+      </p:sp>
+      <p:sp>
+        <p:nvSpPr>
+          <p:cNvPr id="3" name="コンテンツ プレースホルダー 2">
+            <a:extLst>
+              <a:ext uri="{FF2B5EF4-FFF2-40B4-BE49-F238E27FC236}">
+                <a16:creationId xmlns:a16="http://schemas.microsoft.com/office/drawing/2014/main" id="{1A6FDD16-4AC9-6240-82C3-361F8C0E88B6}"/>
+              </a:ext>
+            </a:extLst>
+          </p:cNvPr>
+          <p:cNvSpPr>
+            <a:spLocks noGrp="1"/>
+          </p:cNvSpPr>
+          <p:nvPr>
+            <p:ph idx="1"/>
+          </p:nvPr>
+        </p:nvSpPr>
+        <p:spPr>
+          <a:xfrm>
+            <a:off x="906796" y="2016838"/>
+            <a:ext cx="4938784" cy="3820764"/>
+          </a:xfrm>
+        </p:spPr>
+        <p:txBody>
+          <a:bodyPr>
+            <a:normAutofit/>
+          </a:bodyPr>
+          <a:lstStyle/>
+          <a:p>
+            <a:pPr marL="0" indent="0" algn="ctr">
+              <a:buNone/>
+            </a:pPr>
+            <a:r>
+              <a:rPr kumimoji="1" lang="ja-JP" altLang="en-US" sz="3600"/>
+              <a:t>ダジャレを</a:t>
+            </a:r>
+            <a:r>
+              <a:rPr kumimoji="1" lang="ja-JP" altLang="en-US" sz="3600" b="1"/>
+              <a:t>聞く</a:t>
+            </a:r>
+            <a:endParaRPr kumimoji="1" lang="en-US" altLang="ja-JP" sz="3600" b="1" dirty="0"/>
+          </a:p>
+          <a:p>
+            <a:pPr marL="0" indent="0" algn="ctr">
+              <a:buNone/>
+            </a:pPr>
+            <a:r>
+              <a:rPr lang="ja-JP" altLang="en-US" sz="3600"/>
+              <a:t>↓</a:t>
+            </a:r>
+            <a:endParaRPr lang="en-US" altLang="ja-JP" sz="3600" dirty="0"/>
+          </a:p>
+          <a:p>
+            <a:pPr marL="0" indent="0" algn="ctr">
+              <a:buNone/>
+            </a:pPr>
+            <a:r>
+              <a:rPr kumimoji="1" lang="ja-JP" altLang="en-US" sz="3600"/>
+              <a:t>ダジャレを</a:t>
+            </a:r>
+            <a:r>
+              <a:rPr kumimoji="1" lang="ja-JP" altLang="en-US" sz="3600" b="1"/>
+              <a:t>判定</a:t>
+            </a:r>
+            <a:endParaRPr kumimoji="1" lang="en-US" altLang="ja-JP" sz="3600" b="1" dirty="0"/>
+          </a:p>
+          <a:p>
+            <a:pPr marL="0" indent="0" algn="ctr">
+              <a:buNone/>
+            </a:pPr>
+            <a:r>
+              <a:rPr lang="ja-JP" altLang="en-US" sz="3600"/>
+              <a:t>↓</a:t>
+            </a:r>
+            <a:endParaRPr lang="en-US" altLang="ja-JP" sz="3600" dirty="0"/>
+          </a:p>
+          <a:p>
+            <a:pPr marL="0" indent="0" algn="ctr">
+              <a:buNone/>
+            </a:pPr>
+            <a:r>
+              <a:rPr kumimoji="1" lang="ja-JP" altLang="en-US" sz="3600" b="1">
+                <a:solidFill>
+                  <a:schemeClr val="accent2"/>
+                </a:solidFill>
+              </a:rPr>
+              <a:t>笑う！</a:t>
+            </a:r>
+          </a:p>
+        </p:txBody>
+      </p:sp>
+      <p:sp>
+        <p:nvSpPr>
+          <p:cNvPr id="4" name="スライド番号プレースホルダー 3">
+            <a:extLst>
+              <a:ext uri="{FF2B5EF4-FFF2-40B4-BE49-F238E27FC236}">
+                <a16:creationId xmlns:a16="http://schemas.microsoft.com/office/drawing/2014/main" id="{43D46E05-85DC-604D-AD51-BFB66418B745}"/>
+              </a:ext>
+            </a:extLst>
+          </p:cNvPr>
+          <p:cNvSpPr>
+            <a:spLocks noGrp="1"/>
+          </p:cNvSpPr>
+          <p:nvPr>
+            <p:ph type="sldNum" sz="quarter" idx="4"/>
+          </p:nvPr>
+        </p:nvSpPr>
+        <p:spPr/>
+        <p:txBody>
+          <a:bodyPr/>
+          <a:lstStyle/>
+          <a:p>
+            <a:fld id="{344557A8-43F0-E245-912B-3C1956DCE134}" type="slidenum">
+              <a:rPr kumimoji="1" lang="ja-JP" altLang="en-US" smtClean="0"/>
+              <a:t>8</a:t>
+            </a:fld>
+            <a:endParaRPr kumimoji="1" lang="ja-JP" altLang="en-US"/>
+          </a:p>
+        </p:txBody>
+      </p:sp>
+      <p:pic>
+        <p:nvPicPr>
+          <p:cNvPr id="7" name="図 6" descr="人の顔の絵&#10;&#10;低い精度で自動的に生成された説明">
+            <a:extLst>
+              <a:ext uri="{FF2B5EF4-FFF2-40B4-BE49-F238E27FC236}">
+                <a16:creationId xmlns:a16="http://schemas.microsoft.com/office/drawing/2014/main" id="{169A61B9-142B-7E4A-BD00-01AED08D9E65}"/>
+              </a:ext>
+            </a:extLst>
+          </p:cNvPr>
+          <p:cNvPicPr>
+            <a:picLocks noChangeAspect="1"/>
+          </p:cNvPicPr>
+          <p:nvPr/>
+        </p:nvPicPr>
+        <p:blipFill>
+          <a:blip r:embed="rId3"/>
+          <a:stretch>
+            <a:fillRect/>
+          </a:stretch>
+        </p:blipFill>
+        <p:spPr>
+          <a:xfrm flipH="1">
+            <a:off x="6096000" y="2016838"/>
+            <a:ext cx="1838337" cy="1838719"/>
+          </a:xfrm>
+          <a:prstGeom prst="rect">
+            <a:avLst/>
+          </a:prstGeom>
+        </p:spPr>
+      </p:pic>
+      <p:sp>
+        <p:nvSpPr>
+          <p:cNvPr id="9" name="テキスト ボックス 8">
+            <a:extLst>
+              <a:ext uri="{FF2B5EF4-FFF2-40B4-BE49-F238E27FC236}">
+                <a16:creationId xmlns:a16="http://schemas.microsoft.com/office/drawing/2014/main" id="{1B553D71-4D75-FF44-B7F1-D05CE0F11F06}"/>
+              </a:ext>
+            </a:extLst>
+          </p:cNvPr>
+          <p:cNvSpPr txBox="1"/>
+          <p:nvPr/>
+        </p:nvSpPr>
+        <p:spPr>
+          <a:xfrm>
+            <a:off x="6513556" y="4544083"/>
+            <a:ext cx="4083657" cy="923330"/>
+          </a:xfrm>
+          <a:prstGeom prst="rect">
+            <a:avLst/>
+          </a:prstGeom>
+          <a:noFill/>
+        </p:spPr>
+        <p:txBody>
+          <a:bodyPr wrap="square" rtlCol="0">
+            <a:spAutoFit/>
+          </a:bodyPr>
+          <a:lstStyle/>
+          <a:p>
+            <a:r>
+              <a:rPr lang="ja-JP" altLang="en-US"/>
+              <a:t>ﾃﾞｩﾋﾋﾌﾞﾋｲﾋﾁﾞｨﾋﾋｵﾎﾎﾎﾋ</a:t>
+            </a:r>
+            <a:r>
+              <a:rPr lang="en" altLang="ja-JP" dirty="0"/>
+              <a:t>t</a:t>
+            </a:r>
+            <a:r>
+              <a:rPr lang="ja-JP" altLang="en-US"/>
+              <a:t>ｯﾋﾋｮｴ</a:t>
+            </a:r>
+            <a:r>
+              <a:rPr lang="en" altLang="ja-JP" dirty="0" err="1"/>
+              <a:t>wwwwwwwwwww</a:t>
+            </a:r>
+            <a:r>
+              <a:rPr lang="ja-JP" altLang="en-US"/>
+              <a:t>ﾎｯﾎﾋｰｰｰｰｰｰｰ</a:t>
+            </a:r>
+            <a:r>
+              <a:rPr lang="en" altLang="ja-JP" dirty="0" err="1"/>
+              <a:t>wwwwwwwwwwwwwwwwww</a:t>
+            </a:r>
+            <a:endParaRPr lang="en" altLang="ja-JP" dirty="0"/>
+          </a:p>
+        </p:txBody>
+      </p:sp>
+      <p:sp>
+        <p:nvSpPr>
+          <p:cNvPr id="12" name="テキスト ボックス 11">
+            <a:extLst>
+              <a:ext uri="{FF2B5EF4-FFF2-40B4-BE49-F238E27FC236}">
+                <a16:creationId xmlns:a16="http://schemas.microsoft.com/office/drawing/2014/main" id="{5EDB7E3B-F0B1-5840-BA85-2983CAF98282}"/>
+              </a:ext>
+            </a:extLst>
+          </p:cNvPr>
+          <p:cNvSpPr txBox="1"/>
+          <p:nvPr/>
+        </p:nvSpPr>
+        <p:spPr>
+          <a:xfrm>
+            <a:off x="7934337" y="2705364"/>
+            <a:ext cx="3707514" cy="461665"/>
+          </a:xfrm>
+          <a:prstGeom prst="rect">
+            <a:avLst/>
+          </a:prstGeom>
+          <a:noFill/>
+        </p:spPr>
+        <p:txBody>
+          <a:bodyPr wrap="square" rtlCol="0">
+            <a:spAutoFit/>
+          </a:bodyPr>
+          <a:lstStyle/>
+          <a:p>
+            <a:r>
+              <a:rPr kumimoji="1" lang="ja-JP" altLang="en-US" sz="2400"/>
+              <a:t>布団が、吹っ飛んだ！</a:t>
+            </a:r>
+            <a:r>
+              <a:rPr kumimoji="1" lang="en-US" altLang="ja-JP" sz="2400" dirty="0"/>
+              <a:t>w</a:t>
+            </a:r>
+            <a:endParaRPr kumimoji="1" lang="ja-JP" altLang="en-US" sz="2400"/>
+          </a:p>
+        </p:txBody>
+      </p:sp>
+      <p:pic>
+        <p:nvPicPr>
+          <p:cNvPr id="10" name="コンテンツ プレースホルダー 5" descr="脳">
+            <a:extLst>
+              <a:ext uri="{FF2B5EF4-FFF2-40B4-BE49-F238E27FC236}">
+                <a16:creationId xmlns:a16="http://schemas.microsoft.com/office/drawing/2014/main" id="{DAF03262-94F3-AA4A-A650-3F43DFFA0211}"/>
+              </a:ext>
+            </a:extLst>
+          </p:cNvPr>
+          <p:cNvPicPr>
+            <a:picLocks noChangeAspect="1"/>
+          </p:cNvPicPr>
+          <p:nvPr/>
+        </p:nvPicPr>
+        <p:blipFill>
+          <a:blip r:embed="rId4">
+            <a:extLst>
+              <a:ext uri="{96DAC541-7B7A-43D3-8B79-37D633B846F1}">
+                <asvg:svgBlip xmlns:asvg="http://schemas.microsoft.com/office/drawing/2016/SVG/main" r:embed="rId5"/>
+              </a:ext>
+            </a:extLst>
+          </a:blip>
+          <a:stretch>
+            <a:fillRect/>
+          </a:stretch>
+        </p:blipFill>
+        <p:spPr>
+          <a:xfrm>
+            <a:off x="9840350" y="4191142"/>
+            <a:ext cx="1703650" cy="1703650"/>
+          </a:xfrm>
+          <a:prstGeom prst="rect">
+            <a:avLst/>
+          </a:prstGeom>
+        </p:spPr>
+      </p:pic>
+    </p:spTree>
+    <p:extLst>
+      <p:ext uri="{BB962C8B-B14F-4D97-AF65-F5344CB8AC3E}">
+        <p14:creationId xmlns:p14="http://schemas.microsoft.com/office/powerpoint/2010/main" val="1004628084"/>
       </p:ext>
     </p:extLst>
   </p:cSld>
